--- a/lectures/14.1-3/lecture14.1.pptx
+++ b/lectures/14.1-3/lecture14.1.pptx
@@ -207,7 +207,7 @@
           <a:p>
             <a:fld id="{248031C6-E4B0-0444-A4A8-9CCE96EC2C9C}" type="datetimeFigureOut">
               <a:rPr lang="en-GB" smtClean="0"/>
-              <a:t>16/12/2019</a:t>
+              <a:t>17/12/2019</a:t>
             </a:fld>
             <a:endParaRPr lang="en-GB"/>
           </a:p>
@@ -624,7 +624,7 @@
           <a:p>
             <a:fld id="{66665395-52C5-5E4B-BB20-CD4E0BBC9899}" type="datetimeFigureOut">
               <a:rPr lang="en-GB" smtClean="0"/>
-              <a:t>16/12/2019</a:t>
+              <a:t>17/12/2019</a:t>
             </a:fld>
             <a:endParaRPr lang="en-GB"/>
           </a:p>
@@ -824,7 +824,7 @@
           <a:p>
             <a:fld id="{66665395-52C5-5E4B-BB20-CD4E0BBC9899}" type="datetimeFigureOut">
               <a:rPr lang="en-GB" smtClean="0"/>
-              <a:t>16/12/2019</a:t>
+              <a:t>17/12/2019</a:t>
             </a:fld>
             <a:endParaRPr lang="en-GB"/>
           </a:p>
@@ -1034,7 +1034,7 @@
           <a:p>
             <a:fld id="{66665395-52C5-5E4B-BB20-CD4E0BBC9899}" type="datetimeFigureOut">
               <a:rPr lang="en-GB" smtClean="0"/>
-              <a:t>16/12/2019</a:t>
+              <a:t>17/12/2019</a:t>
             </a:fld>
             <a:endParaRPr lang="en-GB"/>
           </a:p>
@@ -1234,7 +1234,7 @@
           <a:p>
             <a:fld id="{66665395-52C5-5E4B-BB20-CD4E0BBC9899}" type="datetimeFigureOut">
               <a:rPr lang="en-GB" smtClean="0"/>
-              <a:t>16/12/2019</a:t>
+              <a:t>17/12/2019</a:t>
             </a:fld>
             <a:endParaRPr lang="en-GB"/>
           </a:p>
@@ -1510,7 +1510,7 @@
           <a:p>
             <a:fld id="{66665395-52C5-5E4B-BB20-CD4E0BBC9899}" type="datetimeFigureOut">
               <a:rPr lang="en-GB" smtClean="0"/>
-              <a:t>16/12/2019</a:t>
+              <a:t>17/12/2019</a:t>
             </a:fld>
             <a:endParaRPr lang="en-GB"/>
           </a:p>
@@ -1778,7 +1778,7 @@
           <a:p>
             <a:fld id="{66665395-52C5-5E4B-BB20-CD4E0BBC9899}" type="datetimeFigureOut">
               <a:rPr lang="en-GB" smtClean="0"/>
-              <a:t>16/12/2019</a:t>
+              <a:t>17/12/2019</a:t>
             </a:fld>
             <a:endParaRPr lang="en-GB"/>
           </a:p>
@@ -2193,7 +2193,7 @@
           <a:p>
             <a:fld id="{66665395-52C5-5E4B-BB20-CD4E0BBC9899}" type="datetimeFigureOut">
               <a:rPr lang="en-GB" smtClean="0"/>
-              <a:t>16/12/2019</a:t>
+              <a:t>17/12/2019</a:t>
             </a:fld>
             <a:endParaRPr lang="en-GB"/>
           </a:p>
@@ -2335,7 +2335,7 @@
           <a:p>
             <a:fld id="{66665395-52C5-5E4B-BB20-CD4E0BBC9899}" type="datetimeFigureOut">
               <a:rPr lang="en-GB" smtClean="0"/>
-              <a:t>16/12/2019</a:t>
+              <a:t>17/12/2019</a:t>
             </a:fld>
             <a:endParaRPr lang="en-GB"/>
           </a:p>
@@ -2448,7 +2448,7 @@
           <a:p>
             <a:fld id="{66665395-52C5-5E4B-BB20-CD4E0BBC9899}" type="datetimeFigureOut">
               <a:rPr lang="en-GB" smtClean="0"/>
-              <a:t>16/12/2019</a:t>
+              <a:t>17/12/2019</a:t>
             </a:fld>
             <a:endParaRPr lang="en-GB"/>
           </a:p>
@@ -2761,7 +2761,7 @@
           <a:p>
             <a:fld id="{66665395-52C5-5E4B-BB20-CD4E0BBC9899}" type="datetimeFigureOut">
               <a:rPr lang="en-GB" smtClean="0"/>
-              <a:t>16/12/2019</a:t>
+              <a:t>17/12/2019</a:t>
             </a:fld>
             <a:endParaRPr lang="en-GB"/>
           </a:p>
@@ -3050,7 +3050,7 @@
           <a:p>
             <a:fld id="{66665395-52C5-5E4B-BB20-CD4E0BBC9899}" type="datetimeFigureOut">
               <a:rPr lang="en-GB" smtClean="0"/>
-              <a:t>16/12/2019</a:t>
+              <a:t>17/12/2019</a:t>
             </a:fld>
             <a:endParaRPr lang="en-GB"/>
           </a:p>
@@ -3293,7 +3293,7 @@
           <a:p>
             <a:fld id="{66665395-52C5-5E4B-BB20-CD4E0BBC9899}" type="datetimeFigureOut">
               <a:rPr lang="en-GB" smtClean="0"/>
-              <a:t>16/12/2019</a:t>
+              <a:t>17/12/2019</a:t>
             </a:fld>
             <a:endParaRPr lang="en-GB"/>
           </a:p>
@@ -4577,12 +4577,8 @@
           </a:p>
           <a:p>
             <a:r>
-              <a:rPr lang="en-GB" dirty="0" err="1"/>
-              <a:t>Overshaddow</a:t>
-            </a:r>
-            <a:r>
-              <a:rPr lang="en-GB" dirty="0"/>
-              <a:t>: </a:t>
+              <a:rPr lang="en-GB" dirty="0"/>
+              <a:t>Overshadow: </a:t>
             </a:r>
             <a:r>
               <a:rPr lang="en-GB" dirty="0" err="1"/>
@@ -5161,6 +5157,26 @@
             <a:r>
               <a:rPr lang="en-GB" dirty="0"/>
               <a:t> </a:t>
+            </a:r>
+            <a:r>
+              <a:rPr lang="en-GB" dirty="0" err="1"/>
+              <a:t>og</a:t>
+            </a:r>
+            <a:r>
+              <a:rPr lang="en-GB" dirty="0"/>
+              <a:t>/</a:t>
+            </a:r>
+            <a:r>
+              <a:rPr lang="en-GB" dirty="0" err="1"/>
+              <a:t>eller</a:t>
+            </a:r>
+            <a:r>
+              <a:rPr lang="en-GB" dirty="0"/>
+              <a:t> </a:t>
+            </a:r>
+            <a:r>
+              <a:rPr lang="en-GB"/>
+              <a:t>typer </a:t>
             </a:r>
             <a:r>
               <a:rPr lang="en-GB" dirty="0" err="1"/>
@@ -7029,10 +7045,10 @@
       </p:sp>
       <p:pic>
         <p:nvPicPr>
-          <p:cNvPr id="5" name="Picture 4" descr="A screenshot of a cell phone&#10;&#10;Description automatically generated">
-            <a:extLst>
-              <a:ext uri="{FF2B5EF4-FFF2-40B4-BE49-F238E27FC236}">
-                <a16:creationId xmlns:a16="http://schemas.microsoft.com/office/drawing/2014/main" id="{4A4E4DCE-BE21-634F-B2F4-B6DFDAE92A99}"/>
+          <p:cNvPr id="7" name="Picture 6" descr="A screenshot of a cell phone&#10;&#10;Description automatically generated">
+            <a:extLst>
+              <a:ext uri="{FF2B5EF4-FFF2-40B4-BE49-F238E27FC236}">
+                <a16:creationId xmlns:a16="http://schemas.microsoft.com/office/drawing/2014/main" id="{CA008679-B90A-804F-9E2A-95B4825C4DBD}"/>
               </a:ext>
             </a:extLst>
           </p:cNvPr>
@@ -7043,36 +7059,6 @@
         </p:nvPicPr>
         <p:blipFill>
           <a:blip r:embed="rId2"/>
-          <a:stretch>
-            <a:fillRect/>
-          </a:stretch>
-        </p:blipFill>
-        <p:spPr>
-          <a:xfrm>
-            <a:off x="1015446" y="2767220"/>
-            <a:ext cx="5486400" cy="2476500"/>
-          </a:xfrm>
-          <a:prstGeom prst="rect">
-            <a:avLst/>
-          </a:prstGeom>
-        </p:spPr>
-      </p:pic>
-      <p:pic>
-        <p:nvPicPr>
-          <p:cNvPr id="7" name="Picture 6" descr="A screenshot of a cell phone&#10;&#10;Description automatically generated">
-            <a:extLst>
-              <a:ext uri="{FF2B5EF4-FFF2-40B4-BE49-F238E27FC236}">
-                <a16:creationId xmlns:a16="http://schemas.microsoft.com/office/drawing/2014/main" id="{CA008679-B90A-804F-9E2A-95B4825C4DBD}"/>
-              </a:ext>
-            </a:extLst>
-          </p:cNvPr>
-          <p:cNvPicPr>
-            <a:picLocks noChangeAspect="1"/>
-          </p:cNvPicPr>
-          <p:nvPr/>
-        </p:nvPicPr>
-        <p:blipFill>
-          <a:blip r:embed="rId3"/>
           <a:stretch>
             <a:fillRect/>
           </a:stretch>
@@ -7170,6 +7156,36 @@
           </a:p>
         </p:txBody>
       </p:sp>
+      <p:pic>
+        <p:nvPicPr>
+          <p:cNvPr id="6" name="Picture 5" descr="A screenshot of a cell phone&#10;&#10;Description automatically generated">
+            <a:extLst>
+              <a:ext uri="{FF2B5EF4-FFF2-40B4-BE49-F238E27FC236}">
+                <a16:creationId xmlns:a16="http://schemas.microsoft.com/office/drawing/2014/main" id="{2B0C8CAD-8E95-7945-A9C6-17486CFA3261}"/>
+              </a:ext>
+            </a:extLst>
+          </p:cNvPr>
+          <p:cNvPicPr>
+            <a:picLocks noChangeAspect="1"/>
+          </p:cNvPicPr>
+          <p:nvPr/>
+        </p:nvPicPr>
+        <p:blipFill>
+          <a:blip r:embed="rId3"/>
+          <a:stretch>
+            <a:fillRect/>
+          </a:stretch>
+        </p:blipFill>
+        <p:spPr>
+          <a:xfrm>
+            <a:off x="838199" y="2760662"/>
+            <a:ext cx="5791307" cy="2575835"/>
+          </a:xfrm>
+          <a:prstGeom prst="rect">
+            <a:avLst/>
+          </a:prstGeom>
+        </p:spPr>
+      </p:pic>
     </p:spTree>
     <p:extLst>
       <p:ext uri="{BB962C8B-B14F-4D97-AF65-F5344CB8AC3E}">
@@ -7214,7 +7230,7 @@
                                           </p:stCondLst>
                                         </p:cTn>
                                         <p:tgtEl>
-                                          <p:spTgt spid="5"/>
+                                          <p:spTgt spid="7"/>
                                         </p:tgtEl>
                                         <p:attrNameLst>
                                           <p:attrName>style.visibility</p:attrName>
@@ -7246,7 +7262,7 @@
                             </p:stCondLst>
                             <p:childTnLst>
                               <p:par>
-                                <p:cTn id="9" presetID="1" presetClass="entr" presetSubtype="0" fill="hold" nodeType="clickEffect">
+                                <p:cTn id="9" presetID="1" presetClass="entr" presetSubtype="0" fill="hold" grpId="0" nodeType="clickEffect">
                                   <p:stCondLst>
                                     <p:cond delay="0"/>
                                   </p:stCondLst>
@@ -7254,51 +7270,6 @@
                                     <p:set>
                                       <p:cBhvr>
                                         <p:cTn id="10" dur="1" fill="hold">
-                                          <p:stCondLst>
-                                            <p:cond delay="0"/>
-                                          </p:stCondLst>
-                                        </p:cTn>
-                                        <p:tgtEl>
-                                          <p:spTgt spid="7"/>
-                                        </p:tgtEl>
-                                        <p:attrNameLst>
-                                          <p:attrName>style.visibility</p:attrName>
-                                        </p:attrNameLst>
-                                      </p:cBhvr>
-                                      <p:to>
-                                        <p:strVal val="visible"/>
-                                      </p:to>
-                                    </p:set>
-                                  </p:childTnLst>
-                                </p:cTn>
-                              </p:par>
-                            </p:childTnLst>
-                          </p:cTn>
-                        </p:par>
-                      </p:childTnLst>
-                    </p:cTn>
-                  </p:par>
-                  <p:par>
-                    <p:cTn id="11" fill="hold">
-                      <p:stCondLst>
-                        <p:cond delay="indefinite"/>
-                      </p:stCondLst>
-                      <p:childTnLst>
-                        <p:par>
-                          <p:cTn id="12" fill="hold">
-                            <p:stCondLst>
-                              <p:cond delay="0"/>
-                            </p:stCondLst>
-                            <p:childTnLst>
-                              <p:par>
-                                <p:cTn id="13" presetID="1" presetClass="entr" presetSubtype="0" fill="hold" grpId="0" nodeType="clickEffect">
-                                  <p:stCondLst>
-                                    <p:cond delay="0"/>
-                                  </p:stCondLst>
-                                  <p:childTnLst>
-                                    <p:set>
-                                      <p:cBhvr>
-                                        <p:cTn id="14" dur="1" fill="hold">
                                           <p:stCondLst>
                                             <p:cond delay="0"/>
                                           </p:stCondLst>
@@ -7390,12 +7361,8 @@
           <a:lstStyle/>
           <a:p>
             <a:r>
-              <a:rPr lang="en-GB" dirty="0" err="1"/>
-              <a:t>Overshaddow</a:t>
-            </a:r>
-            <a:r>
-              <a:rPr lang="en-GB" dirty="0"/>
-              <a:t>, upcasting </a:t>
+              <a:rPr lang="en-GB" dirty="0"/>
+              <a:t>Overshadow, upcasting </a:t>
             </a:r>
             <a:r>
               <a:rPr lang="en-GB" dirty="0" err="1"/>
